--- a/SkewedKurtosis3.pptx
+++ b/SkewedKurtosis3.pptx
@@ -122,7 +122,7 @@
   </p:defaultTextStyle>
   <p:extLst>
     <p:ext uri="{EFAFB233-063F-42B5-8137-9DF3F51BA10A}">
-      <p15:sldGuideLst xmlns:p15="http://schemas.microsoft.com/office/powerpoint/2012/main">
+      <p15:sldGuideLst xmlns:p15="http://schemas.microsoft.com/office/powerpoint/2012/main" xmlns="">
         <p15:guide id="1" orient="horz" pos="2160">
           <p15:clr>
             <a:srgbClr val="A4A3A4"/>
@@ -385,7 +385,7 @@
             <a:fld id="{B61BEF0D-F0BB-DE4B-95CE-6DB70DBA9567}" type="datetimeFigureOut">
               <a:rPr lang="en-US" dirty="0"/>
               <a:pPr/>
-              <a:t>3/12/2018</a:t>
+              <a:t>12.03.18</a:t>
             </a:fld>
             <a:endParaRPr lang="en-US" dirty="0"/>
           </a:p>
@@ -460,7 +460,7 @@
             <a:fld id="{D57F1E4F-1CFF-5643-939E-217C01CDF565}" type="slidenum">
               <a:rPr lang="en-US" dirty="0"/>
               <a:pPr/>
-              <a:t>‹#›</a:t>
+              <a:t>‹Nr.›</a:t>
             </a:fld>
             <a:endParaRPr lang="en-US" dirty="0"/>
           </a:p>
@@ -644,7 +644,7 @@
             <a:fld id="{B61BEF0D-F0BB-DE4B-95CE-6DB70DBA9567}" type="datetimeFigureOut">
               <a:rPr lang="en-US" dirty="0"/>
               <a:pPr/>
-              <a:t>3/12/2018</a:t>
+              <a:t>12.03.18</a:t>
             </a:fld>
             <a:endParaRPr lang="en-US" dirty="0"/>
           </a:p>
@@ -687,7 +687,7 @@
             <a:fld id="{D57F1E4F-1CFF-5643-939E-217C01CDF565}" type="slidenum">
               <a:rPr lang="en-US" dirty="0"/>
               <a:pPr/>
-              <a:t>‹#›</a:t>
+              <a:t>‹Nr.›</a:t>
             </a:fld>
             <a:endParaRPr lang="en-US" dirty="0"/>
           </a:p>
@@ -876,7 +876,7 @@
             <a:fld id="{B61BEF0D-F0BB-DE4B-95CE-6DB70DBA9567}" type="datetimeFigureOut">
               <a:rPr lang="en-US" dirty="0"/>
               <a:pPr/>
-              <a:t>3/12/2018</a:t>
+              <a:t>12.03.18</a:t>
             </a:fld>
             <a:endParaRPr lang="en-US" dirty="0"/>
           </a:p>
@@ -940,7 +940,7 @@
             <a:fld id="{D57F1E4F-1CFF-5643-939E-217C01CDF565}" type="slidenum">
               <a:rPr lang="en-US" dirty="0"/>
               <a:pPr/>
-              <a:t>‹#›</a:t>
+              <a:t>‹Nr.›</a:t>
             </a:fld>
             <a:endParaRPr lang="en-US" dirty="0"/>
           </a:p>
@@ -1113,7 +1113,7 @@
             <a:fld id="{B61BEF0D-F0BB-DE4B-95CE-6DB70DBA9567}" type="datetimeFigureOut">
               <a:rPr lang="en-US" dirty="0"/>
               <a:pPr/>
-              <a:t>3/12/2018</a:t>
+              <a:t>12.03.18</a:t>
             </a:fld>
             <a:endParaRPr lang="en-US" dirty="0"/>
           </a:p>
@@ -1161,7 +1161,7 @@
             <a:fld id="{D57F1E4F-1CFF-5643-939E-217C01CDF565}" type="slidenum">
               <a:rPr lang="en-US" dirty="0"/>
               <a:pPr/>
-              <a:t>‹#›</a:t>
+              <a:t>‹Nr.›</a:t>
             </a:fld>
             <a:endParaRPr lang="en-US" dirty="0"/>
           </a:p>
@@ -1417,7 +1417,7 @@
             <a:fld id="{B61BEF0D-F0BB-DE4B-95CE-6DB70DBA9567}" type="datetimeFigureOut">
               <a:rPr lang="en-US" dirty="0"/>
               <a:pPr/>
-              <a:t>3/12/2018</a:t>
+              <a:t>12.03.18</a:t>
             </a:fld>
             <a:endParaRPr lang="en-US" dirty="0"/>
           </a:p>
@@ -1482,7 +1482,7 @@
             <a:fld id="{D57F1E4F-1CFF-5643-939E-217C01CDF565}" type="slidenum">
               <a:rPr lang="en-US" dirty="0"/>
               <a:pPr/>
-              <a:t>‹#›</a:t>
+              <a:t>‹Nr.›</a:t>
             </a:fld>
             <a:endParaRPr lang="en-US" dirty="0"/>
           </a:p>
@@ -1716,7 +1716,7 @@
             <a:fld id="{B61BEF0D-F0BB-DE4B-95CE-6DB70DBA9567}" type="datetimeFigureOut">
               <a:rPr lang="en-US" dirty="0"/>
               <a:pPr/>
-              <a:t>3/12/2018</a:t>
+              <a:t>12.03.18</a:t>
             </a:fld>
             <a:endParaRPr lang="en-US" dirty="0"/>
           </a:p>
@@ -1759,7 +1759,7 @@
             <a:fld id="{D57F1E4F-1CFF-5643-939E-217C01CDF565}" type="slidenum">
               <a:rPr lang="en-US" dirty="0"/>
               <a:pPr/>
-              <a:t>‹#›</a:t>
+              <a:t>‹Nr.›</a:t>
             </a:fld>
             <a:endParaRPr lang="en-US" dirty="0"/>
           </a:p>
@@ -2135,7 +2135,7 @@
             <a:fld id="{B61BEF0D-F0BB-DE4B-95CE-6DB70DBA9567}" type="datetimeFigureOut">
               <a:rPr lang="en-US" dirty="0"/>
               <a:pPr/>
-              <a:t>3/12/2018</a:t>
+              <a:t>12.03.18</a:t>
             </a:fld>
             <a:endParaRPr lang="en-US" dirty="0"/>
           </a:p>
@@ -2178,7 +2178,7 @@
             <a:fld id="{D57F1E4F-1CFF-5643-939E-217C01CDF565}" type="slidenum">
               <a:rPr lang="en-US" dirty="0"/>
               <a:pPr/>
-              <a:t>‹#›</a:t>
+              <a:t>‹Nr.›</a:t>
             </a:fld>
             <a:endParaRPr lang="en-US" dirty="0"/>
           </a:p>
@@ -2294,7 +2294,7 @@
             <a:fld id="{B61BEF0D-F0BB-DE4B-95CE-6DB70DBA9567}" type="datetimeFigureOut">
               <a:rPr lang="en-US" dirty="0"/>
               <a:pPr/>
-              <a:t>3/12/2018</a:t>
+              <a:t>12.03.18</a:t>
             </a:fld>
             <a:endParaRPr lang="en-US" dirty="0"/>
           </a:p>
@@ -2337,7 +2337,7 @@
             <a:fld id="{D57F1E4F-1CFF-5643-939E-217C01CDF565}" type="slidenum">
               <a:rPr lang="en-US" dirty="0"/>
               <a:pPr/>
-              <a:t>‹#›</a:t>
+              <a:t>‹Nr.›</a:t>
             </a:fld>
             <a:endParaRPr lang="en-US" dirty="0"/>
           </a:p>
@@ -2386,7 +2386,7 @@
             <a:fld id="{B61BEF0D-F0BB-DE4B-95CE-6DB70DBA9567}" type="datetimeFigureOut">
               <a:rPr lang="en-US" dirty="0"/>
               <a:pPr/>
-              <a:t>3/12/2018</a:t>
+              <a:t>12.03.18</a:t>
             </a:fld>
             <a:endParaRPr lang="en-US" dirty="0"/>
           </a:p>
@@ -2429,7 +2429,7 @@
             <a:fld id="{D57F1E4F-1CFF-5643-939E-217C01CDF565}" type="slidenum">
               <a:rPr lang="en-US" dirty="0"/>
               <a:pPr/>
-              <a:t>‹#›</a:t>
+              <a:t>‹Nr.›</a:t>
             </a:fld>
             <a:endParaRPr lang="en-US" dirty="0"/>
           </a:p>
@@ -2761,7 +2761,7 @@
             <a:fld id="{B61BEF0D-F0BB-DE4B-95CE-6DB70DBA9567}" type="datetimeFigureOut">
               <a:rPr lang="en-US" dirty="0"/>
               <a:pPr/>
-              <a:t>3/12/2018</a:t>
+              <a:t>12.03.18</a:t>
             </a:fld>
             <a:endParaRPr lang="en-US" dirty="0"/>
           </a:p>
@@ -2826,7 +2826,7 @@
             <a:fld id="{D57F1E4F-1CFF-5643-939E-217C01CDF565}" type="slidenum">
               <a:rPr lang="en-US" dirty="0"/>
               <a:pPr/>
-              <a:t>‹#›</a:t>
+              <a:t>‹Nr.›</a:t>
             </a:fld>
             <a:endParaRPr lang="en-US" dirty="0"/>
           </a:p>
@@ -3047,7 +3047,7 @@
             <a:fld id="{B61BEF0D-F0BB-DE4B-95CE-6DB70DBA9567}" type="datetimeFigureOut">
               <a:rPr lang="en-US" dirty="0"/>
               <a:pPr/>
-              <a:t>3/12/2018</a:t>
+              <a:t>12.03.18</a:t>
             </a:fld>
             <a:endParaRPr lang="en-US" dirty="0"/>
           </a:p>
@@ -3090,7 +3090,7 @@
             <a:fld id="{D57F1E4F-1CFF-5643-939E-217C01CDF565}" type="slidenum">
               <a:rPr lang="en-US" dirty="0"/>
               <a:pPr/>
-              <a:t>‹#›</a:t>
+              <a:t>‹Nr.›</a:t>
             </a:fld>
             <a:endParaRPr lang="en-US" dirty="0"/>
           </a:p>
@@ -3255,7 +3255,7 @@
             <a:fld id="{B61BEF0D-F0BB-DE4B-95CE-6DB70DBA9567}" type="datetimeFigureOut">
               <a:rPr lang="en-US" dirty="0"/>
               <a:pPr/>
-              <a:t>3/12/2018</a:t>
+              <a:t>12.03.18</a:t>
             </a:fld>
             <a:endParaRPr lang="en-US" dirty="0"/>
           </a:p>
@@ -3330,7 +3330,7 @@
             <a:fld id="{D57F1E4F-1CFF-5643-939E-217C01CDF565}" type="slidenum">
               <a:rPr lang="en-US" dirty="0"/>
               <a:pPr/>
-              <a:t>‹#›</a:t>
+              <a:t>‹Nr.›</a:t>
             </a:fld>
             <a:endParaRPr lang="en-US" dirty="0"/>
           </a:p>
@@ -3857,7 +3857,7 @@
           <p:cNvPr id="2" name="Title 1">
             <a:extLst>
               <a:ext uri="{FF2B5EF4-FFF2-40B4-BE49-F238E27FC236}">
-                <a16:creationId xmlns:a16="http://schemas.microsoft.com/office/drawing/2014/main" id="{2A4F5C5A-34D7-7441-99C8-CA9A1D257436}"/>
+                <a16:creationId xmlns:a16="http://schemas.microsoft.com/office/drawing/2014/main" xmlns="" id="{2A4F5C5A-34D7-7441-99C8-CA9A1D257436}"/>
               </a:ext>
             </a:extLst>
           </p:cNvPr>
@@ -3900,7 +3900,7 @@
           <p:cNvPr id="3" name="Subtitle 2">
             <a:extLst>
               <a:ext uri="{FF2B5EF4-FFF2-40B4-BE49-F238E27FC236}">
-                <a16:creationId xmlns:a16="http://schemas.microsoft.com/office/drawing/2014/main" id="{3887C8DA-64CB-E744-835D-5EBE3D83CBC1}"/>
+                <a16:creationId xmlns:a16="http://schemas.microsoft.com/office/drawing/2014/main" xmlns="" id="{3887C8DA-64CB-E744-835D-5EBE3D83CBC1}"/>
               </a:ext>
             </a:extLst>
           </p:cNvPr>
@@ -3933,7 +3933,7 @@
           <p:cNvPr id="4" name="TextBox 3">
             <a:extLst>
               <a:ext uri="{FF2B5EF4-FFF2-40B4-BE49-F238E27FC236}">
-                <a16:creationId xmlns:a16="http://schemas.microsoft.com/office/drawing/2014/main" id="{034EEDBB-9168-8E4B-96D8-7BEC0951B006}"/>
+                <a16:creationId xmlns:a16="http://schemas.microsoft.com/office/drawing/2014/main" xmlns="" id="{034EEDBB-9168-8E4B-96D8-7BEC0951B006}"/>
               </a:ext>
             </a:extLst>
           </p:cNvPr>
@@ -4079,7 +4079,7 @@
           <p:cNvPr id="2" name="Title 1">
             <a:extLst>
               <a:ext uri="{FF2B5EF4-FFF2-40B4-BE49-F238E27FC236}">
-                <a16:creationId xmlns:a16="http://schemas.microsoft.com/office/drawing/2014/main" id="{C41FA3D2-346E-46BE-9C1C-A7E91CC80085}"/>
+                <a16:creationId xmlns:a16="http://schemas.microsoft.com/office/drawing/2014/main" xmlns="" id="{C41FA3D2-346E-46BE-9C1C-A7E91CC80085}"/>
               </a:ext>
             </a:extLst>
           </p:cNvPr>
@@ -4107,7 +4107,7 @@
           <p:cNvPr id="3" name="Content Placeholder 2">
             <a:extLst>
               <a:ext uri="{FF2B5EF4-FFF2-40B4-BE49-F238E27FC236}">
-                <a16:creationId xmlns:a16="http://schemas.microsoft.com/office/drawing/2014/main" id="{F1050B77-A3AE-4E04-9E74-4FD36DB493AA}"/>
+                <a16:creationId xmlns:a16="http://schemas.microsoft.com/office/drawing/2014/main" xmlns="" id="{F1050B77-A3AE-4E04-9E74-4FD36DB493AA}"/>
               </a:ext>
             </a:extLst>
           </p:cNvPr>
@@ -4218,7 +4218,7 @@
           <p:cNvPr id="5" name="Picture 4" descr="A screenshot of a computer&#10;&#10;Description generated with very high confidence">
             <a:extLst>
               <a:ext uri="{FF2B5EF4-FFF2-40B4-BE49-F238E27FC236}">
-                <a16:creationId xmlns:a16="http://schemas.microsoft.com/office/drawing/2014/main" id="{8CADD9EB-CA3D-4E5A-8DEF-D1BB2A3009ED}"/>
+                <a16:creationId xmlns:a16="http://schemas.microsoft.com/office/drawing/2014/main" xmlns="" id="{8CADD9EB-CA3D-4E5A-8DEF-D1BB2A3009ED}"/>
               </a:ext>
             </a:extLst>
           </p:cNvPr>
@@ -4285,7 +4285,7 @@
           <p:cNvPr id="10" name="Rectangle 9">
             <a:extLst>
               <a:ext uri="{FF2B5EF4-FFF2-40B4-BE49-F238E27FC236}">
-                <a16:creationId xmlns:a16="http://schemas.microsoft.com/office/drawing/2014/main" id="{9ADDB9E1-AB12-462E-8E0D-83CA31C6EB7F}"/>
+                <a16:creationId xmlns:a16="http://schemas.microsoft.com/office/drawing/2014/main" xmlns="" id="{9ADDB9E1-AB12-462E-8E0D-83CA31C6EB7F}"/>
               </a:ext>
             </a:extLst>
           </p:cNvPr>
@@ -4295,7 +4295,7 @@
           <p:nvPr>
             <p:extLst>
               <p:ext uri="{386F3935-93C4-4BCD-93E2-E3B085C9AB24}">
-                <p16:designElem xmlns:p16="http://schemas.microsoft.com/office/powerpoint/2015/main" val="1"/>
+                <p16:designElem xmlns:p16="http://schemas.microsoft.com/office/powerpoint/2015/main" xmlns="" val="1"/>
               </p:ext>
             </p:extLst>
           </p:nvPr>
@@ -4342,7 +4342,7 @@
           <p:cNvPr id="12" name="Rectangle 11">
             <a:extLst>
               <a:ext uri="{FF2B5EF4-FFF2-40B4-BE49-F238E27FC236}">
-                <a16:creationId xmlns:a16="http://schemas.microsoft.com/office/drawing/2014/main" id="{214040EB-4842-44D5-9380-BDF41FB7BA8F}"/>
+                <a16:creationId xmlns:a16="http://schemas.microsoft.com/office/drawing/2014/main" xmlns="" id="{214040EB-4842-44D5-9380-BDF41FB7BA8F}"/>
               </a:ext>
             </a:extLst>
           </p:cNvPr>
@@ -4352,7 +4352,7 @@
           <p:nvPr>
             <p:extLst>
               <p:ext uri="{386F3935-93C4-4BCD-93E2-E3B085C9AB24}">
-                <p16:designElem xmlns:p16="http://schemas.microsoft.com/office/powerpoint/2015/main" val="1"/>
+                <p16:designElem xmlns:p16="http://schemas.microsoft.com/office/powerpoint/2015/main" xmlns="" val="1"/>
               </p:ext>
             </p:extLst>
           </p:nvPr>
@@ -4393,7 +4393,7 @@
           <p:cNvPr id="14" name="Rectangle 13">
             <a:extLst>
               <a:ext uri="{FF2B5EF4-FFF2-40B4-BE49-F238E27FC236}">
-                <a16:creationId xmlns:a16="http://schemas.microsoft.com/office/drawing/2014/main" id="{0C076E08-C160-41E7-8D09-E2436B5917C9}"/>
+                <a16:creationId xmlns:a16="http://schemas.microsoft.com/office/drawing/2014/main" xmlns="" id="{0C076E08-C160-41E7-8D09-E2436B5917C9}"/>
               </a:ext>
             </a:extLst>
           </p:cNvPr>
@@ -4403,7 +4403,7 @@
           <p:nvPr>
             <p:extLst>
               <p:ext uri="{386F3935-93C4-4BCD-93E2-E3B085C9AB24}">
-                <p16:designElem xmlns:p16="http://schemas.microsoft.com/office/powerpoint/2015/main" val="1"/>
+                <p16:designElem xmlns:p16="http://schemas.microsoft.com/office/powerpoint/2015/main" xmlns="" val="1"/>
               </p:ext>
             </p:extLst>
           </p:nvPr>
@@ -4444,7 +4444,7 @@
           <p:cNvPr id="16" name="Rectangle 15">
             <a:extLst>
               <a:ext uri="{FF2B5EF4-FFF2-40B4-BE49-F238E27FC236}">
-                <a16:creationId xmlns:a16="http://schemas.microsoft.com/office/drawing/2014/main" id="{D02BCE7C-4E97-4627-9FD1-DD7B633E558D}"/>
+                <a16:creationId xmlns:a16="http://schemas.microsoft.com/office/drawing/2014/main" xmlns="" id="{D02BCE7C-4E97-4627-9FD1-DD7B633E558D}"/>
               </a:ext>
             </a:extLst>
           </p:cNvPr>
@@ -4454,7 +4454,7 @@
           <p:nvPr>
             <p:extLst>
               <p:ext uri="{386F3935-93C4-4BCD-93E2-E3B085C9AB24}">
-                <p16:designElem xmlns:p16="http://schemas.microsoft.com/office/powerpoint/2015/main" val="1"/>
+                <p16:designElem xmlns:p16="http://schemas.microsoft.com/office/powerpoint/2015/main" xmlns="" val="1"/>
               </p:ext>
             </p:extLst>
           </p:nvPr>
@@ -4495,7 +4495,7 @@
           <p:cNvPr id="18" name="Rectangle 17">
             <a:extLst>
               <a:ext uri="{FF2B5EF4-FFF2-40B4-BE49-F238E27FC236}">
-                <a16:creationId xmlns:a16="http://schemas.microsoft.com/office/drawing/2014/main" id="{25A65B62-07C4-4876-A101-9C85F48A0257}"/>
+                <a16:creationId xmlns:a16="http://schemas.microsoft.com/office/drawing/2014/main" xmlns="" id="{25A65B62-07C4-4876-A101-9C85F48A0257}"/>
               </a:ext>
             </a:extLst>
           </p:cNvPr>
@@ -4505,7 +4505,7 @@
           <p:nvPr>
             <p:extLst>
               <p:ext uri="{386F3935-93C4-4BCD-93E2-E3B085C9AB24}">
-                <p16:designElem xmlns:p16="http://schemas.microsoft.com/office/powerpoint/2015/main" val="1"/>
+                <p16:designElem xmlns:p16="http://schemas.microsoft.com/office/powerpoint/2015/main" xmlns="" val="1"/>
               </p:ext>
             </p:extLst>
           </p:nvPr>
@@ -4546,7 +4546,7 @@
           <p:cNvPr id="5" name="Picture 4" descr="A screenshot of a computer&#10;&#10;Description generated with very high confidence">
             <a:extLst>
               <a:ext uri="{FF2B5EF4-FFF2-40B4-BE49-F238E27FC236}">
-                <a16:creationId xmlns:a16="http://schemas.microsoft.com/office/drawing/2014/main" id="{622829E5-3E91-442A-8CC7-D65A6685CFFE}"/>
+                <a16:creationId xmlns:a16="http://schemas.microsoft.com/office/drawing/2014/main" xmlns="" id="{622829E5-3E91-442A-8CC7-D65A6685CFFE}"/>
               </a:ext>
             </a:extLst>
           </p:cNvPr>
@@ -4575,7 +4575,7 @@
           <p:cNvPr id="2" name="Title 1">
             <a:extLst>
               <a:ext uri="{FF2B5EF4-FFF2-40B4-BE49-F238E27FC236}">
-                <a16:creationId xmlns:a16="http://schemas.microsoft.com/office/drawing/2014/main" id="{97A400A4-66B1-445F-96FE-C402EFC45EBA}"/>
+                <a16:creationId xmlns:a16="http://schemas.microsoft.com/office/drawing/2014/main" xmlns="" id="{97A400A4-66B1-445F-96FE-C402EFC45EBA}"/>
               </a:ext>
             </a:extLst>
           </p:cNvPr>
@@ -4614,7 +4614,7 @@
           <p:cNvPr id="3" name="Content Placeholder 2">
             <a:extLst>
               <a:ext uri="{FF2B5EF4-FFF2-40B4-BE49-F238E27FC236}">
-                <a16:creationId xmlns:a16="http://schemas.microsoft.com/office/drawing/2014/main" id="{086664D1-CC05-4B42-A2D8-6AC9EFFC3846}"/>
+                <a16:creationId xmlns:a16="http://schemas.microsoft.com/office/drawing/2014/main" xmlns="" id="{086664D1-CC05-4B42-A2D8-6AC9EFFC3846}"/>
               </a:ext>
             </a:extLst>
           </p:cNvPr>
@@ -4755,7 +4755,7 @@
         </p:nvGraphicFramePr>
         <p:xfrm>
           <a:off x="581025" y="2227264"/>
-          <a:ext cx="11029781" cy="3821428"/>
+          <a:ext cx="11029781" cy="3821427"/>
         </p:xfrm>
         <a:graphic>
           <a:graphicData uri="http://schemas.openxmlformats.org/drawingml/2006/table">
@@ -4767,49 +4767,49 @@
                 <a:gridCol w="1575683">
                   <a:extLst>
                     <a:ext uri="{9D8B030D-6E8A-4147-A177-3AD203B41FA5}">
-                      <a16:colId xmlns:a16="http://schemas.microsoft.com/office/drawing/2014/main" val="20000"/>
+                      <a16:colId xmlns:a16="http://schemas.microsoft.com/office/drawing/2014/main" xmlns="" val="20000"/>
                     </a:ext>
                   </a:extLst>
                 </a:gridCol>
                 <a:gridCol w="1575683">
                   <a:extLst>
                     <a:ext uri="{9D8B030D-6E8A-4147-A177-3AD203B41FA5}">
-                      <a16:colId xmlns:a16="http://schemas.microsoft.com/office/drawing/2014/main" val="20001"/>
+                      <a16:colId xmlns:a16="http://schemas.microsoft.com/office/drawing/2014/main" xmlns="" val="20001"/>
                     </a:ext>
                   </a:extLst>
                 </a:gridCol>
                 <a:gridCol w="1575683">
                   <a:extLst>
                     <a:ext uri="{9D8B030D-6E8A-4147-A177-3AD203B41FA5}">
-                      <a16:colId xmlns:a16="http://schemas.microsoft.com/office/drawing/2014/main" val="20002"/>
+                      <a16:colId xmlns:a16="http://schemas.microsoft.com/office/drawing/2014/main" xmlns="" val="20002"/>
                     </a:ext>
                   </a:extLst>
                 </a:gridCol>
                 <a:gridCol w="1575683">
                   <a:extLst>
                     <a:ext uri="{9D8B030D-6E8A-4147-A177-3AD203B41FA5}">
-                      <a16:colId xmlns:a16="http://schemas.microsoft.com/office/drawing/2014/main" val="20003"/>
+                      <a16:colId xmlns:a16="http://schemas.microsoft.com/office/drawing/2014/main" xmlns="" val="20003"/>
                     </a:ext>
                   </a:extLst>
                 </a:gridCol>
                 <a:gridCol w="1575683">
                   <a:extLst>
                     <a:ext uri="{9D8B030D-6E8A-4147-A177-3AD203B41FA5}">
-                      <a16:colId xmlns:a16="http://schemas.microsoft.com/office/drawing/2014/main" val="20004"/>
+                      <a16:colId xmlns:a16="http://schemas.microsoft.com/office/drawing/2014/main" xmlns="" val="20004"/>
                     </a:ext>
                   </a:extLst>
                 </a:gridCol>
                 <a:gridCol w="1575683">
                   <a:extLst>
                     <a:ext uri="{9D8B030D-6E8A-4147-A177-3AD203B41FA5}">
-                      <a16:colId xmlns:a16="http://schemas.microsoft.com/office/drawing/2014/main" val="20005"/>
+                      <a16:colId xmlns:a16="http://schemas.microsoft.com/office/drawing/2014/main" xmlns="" val="20005"/>
                     </a:ext>
                   </a:extLst>
                 </a:gridCol>
                 <a:gridCol w="1575683">
                   <a:extLst>
                     <a:ext uri="{9D8B030D-6E8A-4147-A177-3AD203B41FA5}">
-                      <a16:colId xmlns:a16="http://schemas.microsoft.com/office/drawing/2014/main" val="20006"/>
+                      <a16:colId xmlns:a16="http://schemas.microsoft.com/office/drawing/2014/main" xmlns="" val="20006"/>
                     </a:ext>
                   </a:extLst>
                 </a:gridCol>
@@ -4962,7 +4962,7 @@
                 </a:tc>
                 <a:extLst>
                   <a:ext uri="{0D108BD9-81ED-4DB2-BD59-A6C34878D82A}">
-                    <a16:rowId xmlns:a16="http://schemas.microsoft.com/office/drawing/2014/main" val="10000"/>
+                    <a16:rowId xmlns:a16="http://schemas.microsoft.com/office/drawing/2014/main" xmlns="" val="10000"/>
                   </a:ext>
                 </a:extLst>
               </a:tr>
@@ -5127,7 +5127,7 @@
                 </a:tc>
                 <a:extLst>
                   <a:ext uri="{0D108BD9-81ED-4DB2-BD59-A6C34878D82A}">
-                    <a16:rowId xmlns:a16="http://schemas.microsoft.com/office/drawing/2014/main" val="10001"/>
+                    <a16:rowId xmlns:a16="http://schemas.microsoft.com/office/drawing/2014/main" xmlns="" val="10001"/>
                   </a:ext>
                 </a:extLst>
               </a:tr>
@@ -5204,7 +5204,7 @@
                 </a:tc>
                 <a:extLst>
                   <a:ext uri="{0D108BD9-81ED-4DB2-BD59-A6C34878D82A}">
-                    <a16:rowId xmlns:a16="http://schemas.microsoft.com/office/drawing/2014/main" val="10002"/>
+                    <a16:rowId xmlns:a16="http://schemas.microsoft.com/office/drawing/2014/main" xmlns="" val="10002"/>
                   </a:ext>
                 </a:extLst>
               </a:tr>
@@ -5281,7 +5281,7 @@
                 </a:tc>
                 <a:extLst>
                   <a:ext uri="{0D108BD9-81ED-4DB2-BD59-A6C34878D82A}">
-                    <a16:rowId xmlns:a16="http://schemas.microsoft.com/office/drawing/2014/main" val="10003"/>
+                    <a16:rowId xmlns:a16="http://schemas.microsoft.com/office/drawing/2014/main" xmlns="" val="10003"/>
                   </a:ext>
                 </a:extLst>
               </a:tr>
@@ -5358,7 +5358,7 @@
                 </a:tc>
                 <a:extLst>
                   <a:ext uri="{0D108BD9-81ED-4DB2-BD59-A6C34878D82A}">
-                    <a16:rowId xmlns:a16="http://schemas.microsoft.com/office/drawing/2014/main" val="10004"/>
+                    <a16:rowId xmlns:a16="http://schemas.microsoft.com/office/drawing/2014/main" xmlns="" val="10004"/>
                   </a:ext>
                 </a:extLst>
               </a:tr>
@@ -5454,7 +5454,7 @@
         </p:nvGraphicFramePr>
         <p:xfrm>
           <a:off x="581025" y="2227264"/>
-          <a:ext cx="11029781" cy="4009071"/>
+          <a:ext cx="11029781" cy="4009070"/>
         </p:xfrm>
         <a:graphic>
           <a:graphicData uri="http://schemas.openxmlformats.org/drawingml/2006/table">
@@ -5466,49 +5466,49 @@
                 <a:gridCol w="1575683">
                   <a:extLst>
                     <a:ext uri="{9D8B030D-6E8A-4147-A177-3AD203B41FA5}">
-                      <a16:colId xmlns:a16="http://schemas.microsoft.com/office/drawing/2014/main" val="20000"/>
+                      <a16:colId xmlns:a16="http://schemas.microsoft.com/office/drawing/2014/main" xmlns="" val="20000"/>
                     </a:ext>
                   </a:extLst>
                 </a:gridCol>
                 <a:gridCol w="1575683">
                   <a:extLst>
                     <a:ext uri="{9D8B030D-6E8A-4147-A177-3AD203B41FA5}">
-                      <a16:colId xmlns:a16="http://schemas.microsoft.com/office/drawing/2014/main" val="20001"/>
+                      <a16:colId xmlns:a16="http://schemas.microsoft.com/office/drawing/2014/main" xmlns="" val="20001"/>
                     </a:ext>
                   </a:extLst>
                 </a:gridCol>
                 <a:gridCol w="1575683">
                   <a:extLst>
                     <a:ext uri="{9D8B030D-6E8A-4147-A177-3AD203B41FA5}">
-                      <a16:colId xmlns:a16="http://schemas.microsoft.com/office/drawing/2014/main" val="20002"/>
+                      <a16:colId xmlns:a16="http://schemas.microsoft.com/office/drawing/2014/main" xmlns="" val="20002"/>
                     </a:ext>
                   </a:extLst>
                 </a:gridCol>
                 <a:gridCol w="1575683">
                   <a:extLst>
                     <a:ext uri="{9D8B030D-6E8A-4147-A177-3AD203B41FA5}">
-                      <a16:colId xmlns:a16="http://schemas.microsoft.com/office/drawing/2014/main" val="20003"/>
+                      <a16:colId xmlns:a16="http://schemas.microsoft.com/office/drawing/2014/main" xmlns="" val="20003"/>
                     </a:ext>
                   </a:extLst>
                 </a:gridCol>
                 <a:gridCol w="1575683">
                   <a:extLst>
                     <a:ext uri="{9D8B030D-6E8A-4147-A177-3AD203B41FA5}">
-                      <a16:colId xmlns:a16="http://schemas.microsoft.com/office/drawing/2014/main" val="20004"/>
+                      <a16:colId xmlns:a16="http://schemas.microsoft.com/office/drawing/2014/main" xmlns="" val="20004"/>
                     </a:ext>
                   </a:extLst>
                 </a:gridCol>
                 <a:gridCol w="1575683">
                   <a:extLst>
                     <a:ext uri="{9D8B030D-6E8A-4147-A177-3AD203B41FA5}">
-                      <a16:colId xmlns:a16="http://schemas.microsoft.com/office/drawing/2014/main" val="20005"/>
+                      <a16:colId xmlns:a16="http://schemas.microsoft.com/office/drawing/2014/main" xmlns="" val="20005"/>
                     </a:ext>
                   </a:extLst>
                 </a:gridCol>
                 <a:gridCol w="1575683">
                   <a:extLst>
                     <a:ext uri="{9D8B030D-6E8A-4147-A177-3AD203B41FA5}">
-                      <a16:colId xmlns:a16="http://schemas.microsoft.com/office/drawing/2014/main" val="20006"/>
+                      <a16:colId xmlns:a16="http://schemas.microsoft.com/office/drawing/2014/main" xmlns="" val="20006"/>
                     </a:ext>
                   </a:extLst>
                 </a:gridCol>
@@ -5661,7 +5661,7 @@
                 </a:tc>
                 <a:extLst>
                   <a:ext uri="{0D108BD9-81ED-4DB2-BD59-A6C34878D82A}">
-                    <a16:rowId xmlns:a16="http://schemas.microsoft.com/office/drawing/2014/main" val="10000"/>
+                    <a16:rowId xmlns:a16="http://schemas.microsoft.com/office/drawing/2014/main" xmlns="" val="10000"/>
                   </a:ext>
                 </a:extLst>
               </a:tr>
@@ -5900,7 +5900,7 @@
                 </a:tc>
                 <a:extLst>
                   <a:ext uri="{0D108BD9-81ED-4DB2-BD59-A6C34878D82A}">
-                    <a16:rowId xmlns:a16="http://schemas.microsoft.com/office/drawing/2014/main" val="10001"/>
+                    <a16:rowId xmlns:a16="http://schemas.microsoft.com/office/drawing/2014/main" xmlns="" val="10001"/>
                   </a:ext>
                 </a:extLst>
               </a:tr>
@@ -6048,7 +6048,7 @@
                 </a:tc>
                 <a:extLst>
                   <a:ext uri="{0D108BD9-81ED-4DB2-BD59-A6C34878D82A}">
-                    <a16:rowId xmlns:a16="http://schemas.microsoft.com/office/drawing/2014/main" val="10002"/>
+                    <a16:rowId xmlns:a16="http://schemas.microsoft.com/office/drawing/2014/main" xmlns="" val="10002"/>
                   </a:ext>
                 </a:extLst>
               </a:tr>
@@ -6125,7 +6125,7 @@
                 </a:tc>
                 <a:extLst>
                   <a:ext uri="{0D108BD9-81ED-4DB2-BD59-A6C34878D82A}">
-                    <a16:rowId xmlns:a16="http://schemas.microsoft.com/office/drawing/2014/main" val="10003"/>
+                    <a16:rowId xmlns:a16="http://schemas.microsoft.com/office/drawing/2014/main" xmlns="" val="10003"/>
                   </a:ext>
                 </a:extLst>
               </a:tr>
@@ -6202,7 +6202,7 @@
                 </a:tc>
                 <a:extLst>
                   <a:ext uri="{0D108BD9-81ED-4DB2-BD59-A6C34878D82A}">
-                    <a16:rowId xmlns:a16="http://schemas.microsoft.com/office/drawing/2014/main" val="10004"/>
+                    <a16:rowId xmlns:a16="http://schemas.microsoft.com/office/drawing/2014/main" xmlns="" val="10004"/>
                   </a:ext>
                 </a:extLst>
               </a:tr>
@@ -6411,49 +6411,49 @@
                 <a:gridCol w="1575683">
                   <a:extLst>
                     <a:ext uri="{9D8B030D-6E8A-4147-A177-3AD203B41FA5}">
-                      <a16:colId xmlns:a16="http://schemas.microsoft.com/office/drawing/2014/main" val="20000"/>
+                      <a16:colId xmlns:a16="http://schemas.microsoft.com/office/drawing/2014/main" xmlns="" val="20000"/>
                     </a:ext>
                   </a:extLst>
                 </a:gridCol>
                 <a:gridCol w="1575683">
                   <a:extLst>
                     <a:ext uri="{9D8B030D-6E8A-4147-A177-3AD203B41FA5}">
-                      <a16:colId xmlns:a16="http://schemas.microsoft.com/office/drawing/2014/main" val="20001"/>
+                      <a16:colId xmlns:a16="http://schemas.microsoft.com/office/drawing/2014/main" xmlns="" val="20001"/>
                     </a:ext>
                   </a:extLst>
                 </a:gridCol>
                 <a:gridCol w="1575683">
                   <a:extLst>
                     <a:ext uri="{9D8B030D-6E8A-4147-A177-3AD203B41FA5}">
-                      <a16:colId xmlns:a16="http://schemas.microsoft.com/office/drawing/2014/main" val="20002"/>
+                      <a16:colId xmlns:a16="http://schemas.microsoft.com/office/drawing/2014/main" xmlns="" val="20002"/>
                     </a:ext>
                   </a:extLst>
                 </a:gridCol>
                 <a:gridCol w="1575683">
                   <a:extLst>
                     <a:ext uri="{9D8B030D-6E8A-4147-A177-3AD203B41FA5}">
-                      <a16:colId xmlns:a16="http://schemas.microsoft.com/office/drawing/2014/main" val="20003"/>
+                      <a16:colId xmlns:a16="http://schemas.microsoft.com/office/drawing/2014/main" xmlns="" val="20003"/>
                     </a:ext>
                   </a:extLst>
                 </a:gridCol>
                 <a:gridCol w="1575683">
                   <a:extLst>
                     <a:ext uri="{9D8B030D-6E8A-4147-A177-3AD203B41FA5}">
-                      <a16:colId xmlns:a16="http://schemas.microsoft.com/office/drawing/2014/main" val="20004"/>
+                      <a16:colId xmlns:a16="http://schemas.microsoft.com/office/drawing/2014/main" xmlns="" val="20004"/>
                     </a:ext>
                   </a:extLst>
                 </a:gridCol>
                 <a:gridCol w="1575683">
                   <a:extLst>
                     <a:ext uri="{9D8B030D-6E8A-4147-A177-3AD203B41FA5}">
-                      <a16:colId xmlns:a16="http://schemas.microsoft.com/office/drawing/2014/main" val="20005"/>
+                      <a16:colId xmlns:a16="http://schemas.microsoft.com/office/drawing/2014/main" xmlns="" val="20005"/>
                     </a:ext>
                   </a:extLst>
                 </a:gridCol>
                 <a:gridCol w="1575683">
                   <a:extLst>
                     <a:ext uri="{9D8B030D-6E8A-4147-A177-3AD203B41FA5}">
-                      <a16:colId xmlns:a16="http://schemas.microsoft.com/office/drawing/2014/main" val="20006"/>
+                      <a16:colId xmlns:a16="http://schemas.microsoft.com/office/drawing/2014/main" xmlns="" val="20006"/>
                     </a:ext>
                   </a:extLst>
                 </a:gridCol>
@@ -6606,7 +6606,7 @@
                 </a:tc>
                 <a:extLst>
                   <a:ext uri="{0D108BD9-81ED-4DB2-BD59-A6C34878D82A}">
-                    <a16:rowId xmlns:a16="http://schemas.microsoft.com/office/drawing/2014/main" val="10000"/>
+                    <a16:rowId xmlns:a16="http://schemas.microsoft.com/office/drawing/2014/main" xmlns="" val="10000"/>
                   </a:ext>
                 </a:extLst>
               </a:tr>
@@ -6845,7 +6845,7 @@
                 </a:tc>
                 <a:extLst>
                   <a:ext uri="{0D108BD9-81ED-4DB2-BD59-A6C34878D82A}">
-                    <a16:rowId xmlns:a16="http://schemas.microsoft.com/office/drawing/2014/main" val="10001"/>
+                    <a16:rowId xmlns:a16="http://schemas.microsoft.com/office/drawing/2014/main" xmlns="" val="10001"/>
                   </a:ext>
                 </a:extLst>
               </a:tr>
@@ -7049,7 +7049,7 @@
                 </a:tc>
                 <a:extLst>
                   <a:ext uri="{0D108BD9-81ED-4DB2-BD59-A6C34878D82A}">
-                    <a16:rowId xmlns:a16="http://schemas.microsoft.com/office/drawing/2014/main" val="10002"/>
+                    <a16:rowId xmlns:a16="http://schemas.microsoft.com/office/drawing/2014/main" xmlns="" val="10002"/>
                   </a:ext>
                 </a:extLst>
               </a:tr>
@@ -7210,7 +7210,7 @@
                 </a:tc>
                 <a:extLst>
                   <a:ext uri="{0D108BD9-81ED-4DB2-BD59-A6C34878D82A}">
-                    <a16:rowId xmlns:a16="http://schemas.microsoft.com/office/drawing/2014/main" val="10003"/>
+                    <a16:rowId xmlns:a16="http://schemas.microsoft.com/office/drawing/2014/main" xmlns="" val="10003"/>
                   </a:ext>
                 </a:extLst>
               </a:tr>
@@ -7287,7 +7287,7 @@
                 </a:tc>
                 <a:extLst>
                   <a:ext uri="{0D108BD9-81ED-4DB2-BD59-A6C34878D82A}">
-                    <a16:rowId xmlns:a16="http://schemas.microsoft.com/office/drawing/2014/main" val="10004"/>
+                    <a16:rowId xmlns:a16="http://schemas.microsoft.com/office/drawing/2014/main" xmlns="" val="10004"/>
                   </a:ext>
                 </a:extLst>
               </a:tr>
@@ -7477,7 +7477,7 @@
             <p:ph sz="half" idx="1"/>
             <p:extLst>
               <p:ext uri="{D42A27DB-BD31-4B8C-83A1-F6EECF244321}">
-                <p14:modId xmlns:p14="http://schemas.microsoft.com/office/powerpoint/2010/main" val="1123679319"/>
+                <p14:modId xmlns:p14="http://schemas.microsoft.com/office/powerpoint/2010/main" val="3818943027"/>
               </p:ext>
             </p:extLst>
           </p:nvPr>
@@ -7496,49 +7496,49 @@
                 <a:gridCol w="1575683">
                   <a:extLst>
                     <a:ext uri="{9D8B030D-6E8A-4147-A177-3AD203B41FA5}">
-                      <a16:colId xmlns:a16="http://schemas.microsoft.com/office/drawing/2014/main" val="20000"/>
+                      <a16:colId xmlns:a16="http://schemas.microsoft.com/office/drawing/2014/main" xmlns="" val="20000"/>
                     </a:ext>
                   </a:extLst>
                 </a:gridCol>
                 <a:gridCol w="1575683">
                   <a:extLst>
                     <a:ext uri="{9D8B030D-6E8A-4147-A177-3AD203B41FA5}">
-                      <a16:colId xmlns:a16="http://schemas.microsoft.com/office/drawing/2014/main" val="20001"/>
+                      <a16:colId xmlns:a16="http://schemas.microsoft.com/office/drawing/2014/main" xmlns="" val="20001"/>
                     </a:ext>
                   </a:extLst>
                 </a:gridCol>
                 <a:gridCol w="1575683">
                   <a:extLst>
                     <a:ext uri="{9D8B030D-6E8A-4147-A177-3AD203B41FA5}">
-                      <a16:colId xmlns:a16="http://schemas.microsoft.com/office/drawing/2014/main" val="20002"/>
+                      <a16:colId xmlns:a16="http://schemas.microsoft.com/office/drawing/2014/main" xmlns="" val="20002"/>
                     </a:ext>
                   </a:extLst>
                 </a:gridCol>
                 <a:gridCol w="1575683">
                   <a:extLst>
                     <a:ext uri="{9D8B030D-6E8A-4147-A177-3AD203B41FA5}">
-                      <a16:colId xmlns:a16="http://schemas.microsoft.com/office/drawing/2014/main" val="20003"/>
+                      <a16:colId xmlns:a16="http://schemas.microsoft.com/office/drawing/2014/main" xmlns="" val="20003"/>
                     </a:ext>
                   </a:extLst>
                 </a:gridCol>
                 <a:gridCol w="1575683">
                   <a:extLst>
                     <a:ext uri="{9D8B030D-6E8A-4147-A177-3AD203B41FA5}">
-                      <a16:colId xmlns:a16="http://schemas.microsoft.com/office/drawing/2014/main" val="20004"/>
+                      <a16:colId xmlns:a16="http://schemas.microsoft.com/office/drawing/2014/main" xmlns="" val="20004"/>
                     </a:ext>
                   </a:extLst>
                 </a:gridCol>
                 <a:gridCol w="1575683">
                   <a:extLst>
                     <a:ext uri="{9D8B030D-6E8A-4147-A177-3AD203B41FA5}">
-                      <a16:colId xmlns:a16="http://schemas.microsoft.com/office/drawing/2014/main" val="20005"/>
+                      <a16:colId xmlns:a16="http://schemas.microsoft.com/office/drawing/2014/main" xmlns="" val="20005"/>
                     </a:ext>
                   </a:extLst>
                 </a:gridCol>
                 <a:gridCol w="1575683">
                   <a:extLst>
                     <a:ext uri="{9D8B030D-6E8A-4147-A177-3AD203B41FA5}">
-                      <a16:colId xmlns:a16="http://schemas.microsoft.com/office/drawing/2014/main" val="20006"/>
+                      <a16:colId xmlns:a16="http://schemas.microsoft.com/office/drawing/2014/main" xmlns="" val="20006"/>
                     </a:ext>
                   </a:extLst>
                 </a:gridCol>
@@ -7691,7 +7691,7 @@
                 </a:tc>
                 <a:extLst>
                   <a:ext uri="{0D108BD9-81ED-4DB2-BD59-A6C34878D82A}">
-                    <a16:rowId xmlns:a16="http://schemas.microsoft.com/office/drawing/2014/main" val="10000"/>
+                    <a16:rowId xmlns:a16="http://schemas.microsoft.com/office/drawing/2014/main" xmlns="" val="10000"/>
                   </a:ext>
                 </a:extLst>
               </a:tr>
@@ -7930,7 +7930,7 @@
                 </a:tc>
                 <a:extLst>
                   <a:ext uri="{0D108BD9-81ED-4DB2-BD59-A6C34878D82A}">
-                    <a16:rowId xmlns:a16="http://schemas.microsoft.com/office/drawing/2014/main" val="10001"/>
+                    <a16:rowId xmlns:a16="http://schemas.microsoft.com/office/drawing/2014/main" xmlns="" val="10001"/>
                   </a:ext>
                 </a:extLst>
               </a:tr>
@@ -8134,7 +8134,7 @@
                 </a:tc>
                 <a:extLst>
                   <a:ext uri="{0D108BD9-81ED-4DB2-BD59-A6C34878D82A}">
-                    <a16:rowId xmlns:a16="http://schemas.microsoft.com/office/drawing/2014/main" val="10002"/>
+                    <a16:rowId xmlns:a16="http://schemas.microsoft.com/office/drawing/2014/main" xmlns="" val="10002"/>
                   </a:ext>
                 </a:extLst>
               </a:tr>
@@ -8373,7 +8373,7 @@
                 </a:tc>
                 <a:extLst>
                   <a:ext uri="{0D108BD9-81ED-4DB2-BD59-A6C34878D82A}">
-                    <a16:rowId xmlns:a16="http://schemas.microsoft.com/office/drawing/2014/main" val="10003"/>
+                    <a16:rowId xmlns:a16="http://schemas.microsoft.com/office/drawing/2014/main" xmlns="" val="10003"/>
                   </a:ext>
                 </a:extLst>
               </a:tr>
@@ -8459,9 +8459,25 @@
                     <a:p>
                       <a:pPr algn="ctr"/>
                       <a:r>
-                        <a:rPr lang="de-DE" dirty="0"/>
+                        <a:rPr lang="de-DE" dirty="0" smtClean="0"/>
+                        <a:t>–</a:t>
+                      </a:r>
+                      <a:endParaRPr lang="de-DE" dirty="0"/>
+                    </a:p>
+                  </a:txBody>
+                  <a:tcPr anchor="ctr"/>
+                </a:tc>
+                <a:tc>
+                  <a:txBody>
+                    <a:bodyPr/>
+                    <a:lstStyle/>
+                    <a:p>
+                      <a:pPr algn="ctr"/>
+                      <a:r>
+                        <a:rPr lang="de-DE" dirty="0" smtClean="0"/>
                         <a:t>0.1170</a:t>
                       </a:r>
+                      <a:endParaRPr lang="de-DE" dirty="0"/>
                     </a:p>
                   </a:txBody>
                   <a:tcPr anchor="ctr"/>
@@ -8471,34 +8487,34 @@
                     <a:bodyPr/>
                     <a:lstStyle/>
                     <a:p>
-                      <a:endParaRPr lang="de-DE"/>
-                    </a:p>
-                  </a:txBody>
-                  <a:tcPr/>
-                </a:tc>
-                <a:tc>
-                  <a:txBody>
-                    <a:bodyPr/>
-                    <a:lstStyle/>
-                    <a:p>
-                      <a:endParaRPr lang="de-DE"/>
-                    </a:p>
-                  </a:txBody>
-                  <a:tcPr/>
-                </a:tc>
-                <a:tc>
-                  <a:txBody>
-                    <a:bodyPr/>
-                    <a:lstStyle/>
-                    <a:p>
+                      <a:pPr algn="ctr"/>
+                      <a:r>
+                        <a:rPr lang="de-DE" dirty="0" smtClean="0"/>
+                        <a:t>0.1167</a:t>
+                      </a:r>
                       <a:endParaRPr lang="de-DE" dirty="0"/>
                     </a:p>
                   </a:txBody>
-                  <a:tcPr/>
+                  <a:tcPr anchor="ctr"/>
+                </a:tc>
+                <a:tc>
+                  <a:txBody>
+                    <a:bodyPr/>
+                    <a:lstStyle/>
+                    <a:p>
+                      <a:pPr algn="ctr"/>
+                      <a:r>
+                        <a:rPr lang="de-DE" smtClean="0"/>
+                        <a:t>0.1270</a:t>
+                      </a:r>
+                      <a:endParaRPr lang="de-DE" dirty="0"/>
+                    </a:p>
+                  </a:txBody>
+                  <a:tcPr anchor="ctr"/>
                 </a:tc>
                 <a:extLst>
                   <a:ext uri="{0D108BD9-81ED-4DB2-BD59-A6C34878D82A}">
-                    <a16:rowId xmlns:a16="http://schemas.microsoft.com/office/drawing/2014/main" val="10004"/>
+                    <a16:rowId xmlns:a16="http://schemas.microsoft.com/office/drawing/2014/main" xmlns="" val="10004"/>
                   </a:ext>
                 </a:extLst>
               </a:tr>
@@ -8541,7 +8557,7 @@
           <p:cNvPr id="2" name="Title 1">
             <a:extLst>
               <a:ext uri="{FF2B5EF4-FFF2-40B4-BE49-F238E27FC236}">
-                <a16:creationId xmlns:a16="http://schemas.microsoft.com/office/drawing/2014/main" id="{1683E7D8-8819-B544-B47B-FB5F13FA03E4}"/>
+                <a16:creationId xmlns:a16="http://schemas.microsoft.com/office/drawing/2014/main" xmlns="" id="{1683E7D8-8819-B544-B47B-FB5F13FA03E4}"/>
               </a:ext>
             </a:extLst>
           </p:cNvPr>
@@ -8576,7 +8592,7 @@
           <p:cNvPr id="3" name="Content Placeholder 2">
             <a:extLst>
               <a:ext uri="{FF2B5EF4-FFF2-40B4-BE49-F238E27FC236}">
-                <a16:creationId xmlns:a16="http://schemas.microsoft.com/office/drawing/2014/main" id="{EAA12BFF-4C43-AA43-A56D-510C87E48B88}"/>
+                <a16:creationId xmlns:a16="http://schemas.microsoft.com/office/drawing/2014/main" xmlns="" id="{EAA12BFF-4C43-AA43-A56D-510C87E48B88}"/>
               </a:ext>
             </a:extLst>
           </p:cNvPr>
@@ -8665,7 +8681,7 @@
           <p:cNvPr id="6" name="Content Placeholder 5">
             <a:extLst>
               <a:ext uri="{FF2B5EF4-FFF2-40B4-BE49-F238E27FC236}">
-                <a16:creationId xmlns:a16="http://schemas.microsoft.com/office/drawing/2014/main" id="{06618E66-5C20-7244-92E9-2990D6606155}"/>
+                <a16:creationId xmlns:a16="http://schemas.microsoft.com/office/drawing/2014/main" xmlns="" id="{06618E66-5C20-7244-92E9-2990D6606155}"/>
               </a:ext>
             </a:extLst>
           </p:cNvPr>
@@ -8724,7 +8740,7 @@
           <p:cNvPr id="2" name="Title 1">
             <a:extLst>
               <a:ext uri="{FF2B5EF4-FFF2-40B4-BE49-F238E27FC236}">
-                <a16:creationId xmlns:a16="http://schemas.microsoft.com/office/drawing/2014/main" id="{E1F1FE36-2493-C747-9CF3-7413C66FFDF0}"/>
+                <a16:creationId xmlns:a16="http://schemas.microsoft.com/office/drawing/2014/main" xmlns="" id="{E1F1FE36-2493-C747-9CF3-7413C66FFDF0}"/>
               </a:ext>
             </a:extLst>
           </p:cNvPr>
@@ -8759,7 +8775,7 @@
           <p:cNvPr id="3" name="Content Placeholder 2">
             <a:extLst>
               <a:ext uri="{FF2B5EF4-FFF2-40B4-BE49-F238E27FC236}">
-                <a16:creationId xmlns:a16="http://schemas.microsoft.com/office/drawing/2014/main" id="{C7847CC3-DCD7-344E-8B92-D08DE53D650C}"/>
+                <a16:creationId xmlns:a16="http://schemas.microsoft.com/office/drawing/2014/main" xmlns="" id="{C7847CC3-DCD7-344E-8B92-D08DE53D650C}"/>
               </a:ext>
             </a:extLst>
           </p:cNvPr>
@@ -8792,7 +8808,7 @@
           <p:cNvPr id="6" name="Content Placeholder 5">
             <a:extLst>
               <a:ext uri="{FF2B5EF4-FFF2-40B4-BE49-F238E27FC236}">
-                <a16:creationId xmlns:a16="http://schemas.microsoft.com/office/drawing/2014/main" id="{1656BC82-0D18-424D-8444-96B3E60D9A6B}"/>
+                <a16:creationId xmlns:a16="http://schemas.microsoft.com/office/drawing/2014/main" xmlns="" id="{1656BC82-0D18-424D-8444-96B3E60D9A6B}"/>
               </a:ext>
             </a:extLst>
           </p:cNvPr>
@@ -8821,7 +8837,7 @@
           <p:cNvPr id="7" name="Content Placeholder 2">
             <a:extLst>
               <a:ext uri="{FF2B5EF4-FFF2-40B4-BE49-F238E27FC236}">
-                <a16:creationId xmlns:a16="http://schemas.microsoft.com/office/drawing/2014/main" id="{2D72A025-59E2-CC4D-A262-8064A0A01945}"/>
+                <a16:creationId xmlns:a16="http://schemas.microsoft.com/office/drawing/2014/main" xmlns="" id="{2D72A025-59E2-CC4D-A262-8064A0A01945}"/>
               </a:ext>
             </a:extLst>
           </p:cNvPr>
@@ -9056,7 +9072,7 @@
           <p:cNvPr id="9" name="Picture 8">
             <a:extLst>
               <a:ext uri="{FF2B5EF4-FFF2-40B4-BE49-F238E27FC236}">
-                <a16:creationId xmlns:a16="http://schemas.microsoft.com/office/drawing/2014/main" id="{16E09185-833B-944F-A25C-7C9ABAD6C321}"/>
+                <a16:creationId xmlns:a16="http://schemas.microsoft.com/office/drawing/2014/main" xmlns="" id="{16E09185-833B-944F-A25C-7C9ABAD6C321}"/>
               </a:ext>
             </a:extLst>
           </p:cNvPr>
@@ -9116,7 +9132,7 @@
           <p:cNvPr id="2" name="Title 1">
             <a:extLst>
               <a:ext uri="{FF2B5EF4-FFF2-40B4-BE49-F238E27FC236}">
-                <a16:creationId xmlns:a16="http://schemas.microsoft.com/office/drawing/2014/main" id="{E1F1FE36-2493-C747-9CF3-7413C66FFDF0}"/>
+                <a16:creationId xmlns:a16="http://schemas.microsoft.com/office/drawing/2014/main" xmlns="" id="{E1F1FE36-2493-C747-9CF3-7413C66FFDF0}"/>
               </a:ext>
             </a:extLst>
           </p:cNvPr>
@@ -9151,7 +9167,7 @@
           <p:cNvPr id="3" name="Content Placeholder 2">
             <a:extLst>
               <a:ext uri="{FF2B5EF4-FFF2-40B4-BE49-F238E27FC236}">
-                <a16:creationId xmlns:a16="http://schemas.microsoft.com/office/drawing/2014/main" id="{C7847CC3-DCD7-344E-8B92-D08DE53D650C}"/>
+                <a16:creationId xmlns:a16="http://schemas.microsoft.com/office/drawing/2014/main" xmlns="" id="{C7847CC3-DCD7-344E-8B92-D08DE53D650C}"/>
               </a:ext>
             </a:extLst>
           </p:cNvPr>
@@ -9184,7 +9200,7 @@
           <p:cNvPr id="6" name="Content Placeholder 5">
             <a:extLst>
               <a:ext uri="{FF2B5EF4-FFF2-40B4-BE49-F238E27FC236}">
-                <a16:creationId xmlns:a16="http://schemas.microsoft.com/office/drawing/2014/main" id="{1656BC82-0D18-424D-8444-96B3E60D9A6B}"/>
+                <a16:creationId xmlns:a16="http://schemas.microsoft.com/office/drawing/2014/main" xmlns="" id="{1656BC82-0D18-424D-8444-96B3E60D9A6B}"/>
               </a:ext>
             </a:extLst>
           </p:cNvPr>
@@ -9213,7 +9229,7 @@
           <p:cNvPr id="7" name="Content Placeholder 2">
             <a:extLst>
               <a:ext uri="{FF2B5EF4-FFF2-40B4-BE49-F238E27FC236}">
-                <a16:creationId xmlns:a16="http://schemas.microsoft.com/office/drawing/2014/main" id="{2D72A025-59E2-CC4D-A262-8064A0A01945}"/>
+                <a16:creationId xmlns:a16="http://schemas.microsoft.com/office/drawing/2014/main" xmlns="" id="{2D72A025-59E2-CC4D-A262-8064A0A01945}"/>
               </a:ext>
             </a:extLst>
           </p:cNvPr>
@@ -9448,7 +9464,7 @@
           <p:cNvPr id="9" name="Picture 8">
             <a:extLst>
               <a:ext uri="{FF2B5EF4-FFF2-40B4-BE49-F238E27FC236}">
-                <a16:creationId xmlns:a16="http://schemas.microsoft.com/office/drawing/2014/main" id="{16E09185-833B-944F-A25C-7C9ABAD6C321}"/>
+                <a16:creationId xmlns:a16="http://schemas.microsoft.com/office/drawing/2014/main" xmlns="" id="{16E09185-833B-944F-A25C-7C9ABAD6C321}"/>
               </a:ext>
             </a:extLst>
           </p:cNvPr>
@@ -9508,7 +9524,7 @@
           <p:cNvPr id="2" name="Title 1">
             <a:extLst>
               <a:ext uri="{FF2B5EF4-FFF2-40B4-BE49-F238E27FC236}">
-                <a16:creationId xmlns:a16="http://schemas.microsoft.com/office/drawing/2014/main" id="{E1F1FE36-2493-C747-9CF3-7413C66FFDF0}"/>
+                <a16:creationId xmlns:a16="http://schemas.microsoft.com/office/drawing/2014/main" xmlns="" id="{E1F1FE36-2493-C747-9CF3-7413C66FFDF0}"/>
               </a:ext>
             </a:extLst>
           </p:cNvPr>
@@ -9543,7 +9559,7 @@
           <p:cNvPr id="3" name="Content Placeholder 2">
             <a:extLst>
               <a:ext uri="{FF2B5EF4-FFF2-40B4-BE49-F238E27FC236}">
-                <a16:creationId xmlns:a16="http://schemas.microsoft.com/office/drawing/2014/main" id="{C7847CC3-DCD7-344E-8B92-D08DE53D650C}"/>
+                <a16:creationId xmlns:a16="http://schemas.microsoft.com/office/drawing/2014/main" xmlns="" id="{C7847CC3-DCD7-344E-8B92-D08DE53D650C}"/>
               </a:ext>
             </a:extLst>
           </p:cNvPr>
@@ -9600,7 +9616,7 @@
           <p:cNvPr id="6" name="Content Placeholder 5">
             <a:extLst>
               <a:ext uri="{FF2B5EF4-FFF2-40B4-BE49-F238E27FC236}">
-                <a16:creationId xmlns:a16="http://schemas.microsoft.com/office/drawing/2014/main" id="{1656BC82-0D18-424D-8444-96B3E60D9A6B}"/>
+                <a16:creationId xmlns:a16="http://schemas.microsoft.com/office/drawing/2014/main" xmlns="" id="{1656BC82-0D18-424D-8444-96B3E60D9A6B}"/>
               </a:ext>
             </a:extLst>
           </p:cNvPr>
@@ -9629,7 +9645,7 @@
           <p:cNvPr id="7" name="Content Placeholder 2">
             <a:extLst>
               <a:ext uri="{FF2B5EF4-FFF2-40B4-BE49-F238E27FC236}">
-                <a16:creationId xmlns:a16="http://schemas.microsoft.com/office/drawing/2014/main" id="{2D72A025-59E2-CC4D-A262-8064A0A01945}"/>
+                <a16:creationId xmlns:a16="http://schemas.microsoft.com/office/drawing/2014/main" xmlns="" id="{2D72A025-59E2-CC4D-A262-8064A0A01945}"/>
               </a:ext>
             </a:extLst>
           </p:cNvPr>
@@ -9914,7 +9930,7 @@
           <p:cNvPr id="9" name="Picture 8">
             <a:extLst>
               <a:ext uri="{FF2B5EF4-FFF2-40B4-BE49-F238E27FC236}">
-                <a16:creationId xmlns:a16="http://schemas.microsoft.com/office/drawing/2014/main" id="{16E09185-833B-944F-A25C-7C9ABAD6C321}"/>
+                <a16:creationId xmlns:a16="http://schemas.microsoft.com/office/drawing/2014/main" xmlns="" id="{16E09185-833B-944F-A25C-7C9ABAD6C321}"/>
               </a:ext>
             </a:extLst>
           </p:cNvPr>
@@ -9974,7 +9990,7 @@
           <p:cNvPr id="2" name="Title 1">
             <a:extLst>
               <a:ext uri="{FF2B5EF4-FFF2-40B4-BE49-F238E27FC236}">
-                <a16:creationId xmlns:a16="http://schemas.microsoft.com/office/drawing/2014/main" id="{48AA63AB-FC32-684B-9A18-878639022D65}"/>
+                <a16:creationId xmlns:a16="http://schemas.microsoft.com/office/drawing/2014/main" xmlns="" id="{48AA63AB-FC32-684B-9A18-878639022D65}"/>
               </a:ext>
             </a:extLst>
           </p:cNvPr>
@@ -10002,7 +10018,7 @@
           <p:cNvPr id="6" name="Content Placeholder 5">
             <a:extLst>
               <a:ext uri="{FF2B5EF4-FFF2-40B4-BE49-F238E27FC236}">
-                <a16:creationId xmlns:a16="http://schemas.microsoft.com/office/drawing/2014/main" id="{B234ADAB-42E6-6E47-B0C5-32BB77475899}"/>
+                <a16:creationId xmlns:a16="http://schemas.microsoft.com/office/drawing/2014/main" xmlns="" id="{B234ADAB-42E6-6E47-B0C5-32BB77475899}"/>
               </a:ext>
             </a:extLst>
           </p:cNvPr>
@@ -10031,7 +10047,7 @@
           <p:cNvPr id="8" name="Content Placeholder 7">
             <a:extLst>
               <a:ext uri="{FF2B5EF4-FFF2-40B4-BE49-F238E27FC236}">
-                <a16:creationId xmlns:a16="http://schemas.microsoft.com/office/drawing/2014/main" id="{C7BFA443-27F8-3F4F-85E2-933247753554}"/>
+                <a16:creationId xmlns:a16="http://schemas.microsoft.com/office/drawing/2014/main" xmlns="" id="{C7BFA443-27F8-3F4F-85E2-933247753554}"/>
               </a:ext>
             </a:extLst>
           </p:cNvPr>
@@ -10060,7 +10076,7 @@
           <p:cNvPr id="10" name="Content Placeholder 2">
             <a:extLst>
               <a:ext uri="{FF2B5EF4-FFF2-40B4-BE49-F238E27FC236}">
-                <a16:creationId xmlns:a16="http://schemas.microsoft.com/office/drawing/2014/main" id="{4FACDD19-44BF-3A49-B8D9-580BF27173F1}"/>
+                <a16:creationId xmlns:a16="http://schemas.microsoft.com/office/drawing/2014/main" xmlns="" id="{4FACDD19-44BF-3A49-B8D9-580BF27173F1}"/>
               </a:ext>
             </a:extLst>
           </p:cNvPr>
@@ -10301,7 +10317,7 @@
           <p:cNvPr id="11" name="Content Placeholder 2">
             <a:extLst>
               <a:ext uri="{FF2B5EF4-FFF2-40B4-BE49-F238E27FC236}">
-                <a16:creationId xmlns:a16="http://schemas.microsoft.com/office/drawing/2014/main" id="{8762A245-75FA-4744-A300-412AC6A4B215}"/>
+                <a16:creationId xmlns:a16="http://schemas.microsoft.com/office/drawing/2014/main" xmlns="" id="{8762A245-75FA-4744-A300-412AC6A4B215}"/>
               </a:ext>
             </a:extLst>
           </p:cNvPr>
@@ -10572,7 +10588,7 @@
           <p:cNvPr id="2" name="Title 1">
             <a:extLst>
               <a:ext uri="{FF2B5EF4-FFF2-40B4-BE49-F238E27FC236}">
-                <a16:creationId xmlns:a16="http://schemas.microsoft.com/office/drawing/2014/main" id="{E1F1FE36-2493-C747-9CF3-7413C66FFDF0}"/>
+                <a16:creationId xmlns:a16="http://schemas.microsoft.com/office/drawing/2014/main" xmlns="" id="{E1F1FE36-2493-C747-9CF3-7413C66FFDF0}"/>
               </a:ext>
             </a:extLst>
           </p:cNvPr>
@@ -10607,7 +10623,7 @@
           <p:cNvPr id="7" name="Content Placeholder 2">
             <a:extLst>
               <a:ext uri="{FF2B5EF4-FFF2-40B4-BE49-F238E27FC236}">
-                <a16:creationId xmlns:a16="http://schemas.microsoft.com/office/drawing/2014/main" id="{2D72A025-59E2-CC4D-A262-8064A0A01945}"/>
+                <a16:creationId xmlns:a16="http://schemas.microsoft.com/office/drawing/2014/main" xmlns="" id="{2D72A025-59E2-CC4D-A262-8064A0A01945}"/>
               </a:ext>
             </a:extLst>
           </p:cNvPr>
@@ -10886,7 +10902,7 @@
           <p:cNvPr id="9" name="Picture 8">
             <a:extLst>
               <a:ext uri="{FF2B5EF4-FFF2-40B4-BE49-F238E27FC236}">
-                <a16:creationId xmlns:a16="http://schemas.microsoft.com/office/drawing/2014/main" id="{16E09185-833B-944F-A25C-7C9ABAD6C321}"/>
+                <a16:creationId xmlns:a16="http://schemas.microsoft.com/office/drawing/2014/main" xmlns="" id="{16E09185-833B-944F-A25C-7C9ABAD6C321}"/>
               </a:ext>
             </a:extLst>
           </p:cNvPr>
@@ -10916,7 +10932,7 @@
           <p:cNvPr id="4" name="TextBox 3">
             <a:extLst>
               <a:ext uri="{FF2B5EF4-FFF2-40B4-BE49-F238E27FC236}">
-                <a16:creationId xmlns:a16="http://schemas.microsoft.com/office/drawing/2014/main" id="{0148748A-4028-F04B-9205-9957DA768280}"/>
+                <a16:creationId xmlns:a16="http://schemas.microsoft.com/office/drawing/2014/main" xmlns="" id="{0148748A-4028-F04B-9205-9957DA768280}"/>
               </a:ext>
             </a:extLst>
           </p:cNvPr>
@@ -10956,7 +10972,7 @@
           <p:cNvPr id="5" name="TextBox 4">
             <a:extLst>
               <a:ext uri="{FF2B5EF4-FFF2-40B4-BE49-F238E27FC236}">
-                <a16:creationId xmlns:a16="http://schemas.microsoft.com/office/drawing/2014/main" id="{2A1E9944-78C4-B249-A329-F1BABE2152D6}"/>
+                <a16:creationId xmlns:a16="http://schemas.microsoft.com/office/drawing/2014/main" xmlns="" id="{2A1E9944-78C4-B249-A329-F1BABE2152D6}"/>
               </a:ext>
             </a:extLst>
           </p:cNvPr>
@@ -10991,7 +11007,7 @@
           <p:cNvPr id="10" name="Content Placeholder 7" descr="A screenshot of a computer&#10;&#10;Description generated with very high confidence">
             <a:extLst>
               <a:ext uri="{FF2B5EF4-FFF2-40B4-BE49-F238E27FC236}">
-                <a16:creationId xmlns:a16="http://schemas.microsoft.com/office/drawing/2014/main" id="{B2704224-746F-471A-9CAF-CDE553433279}"/>
+                <a16:creationId xmlns:a16="http://schemas.microsoft.com/office/drawing/2014/main" xmlns="" id="{B2704224-746F-471A-9CAF-CDE553433279}"/>
               </a:ext>
             </a:extLst>
           </p:cNvPr>
@@ -11050,7 +11066,7 @@
           <p:cNvPr id="2" name="Title 1">
             <a:extLst>
               <a:ext uri="{FF2B5EF4-FFF2-40B4-BE49-F238E27FC236}">
-                <a16:creationId xmlns:a16="http://schemas.microsoft.com/office/drawing/2014/main" id="{A79AD3C8-A97A-4218-969F-27B2CD007680}"/>
+                <a16:creationId xmlns:a16="http://schemas.microsoft.com/office/drawing/2014/main" xmlns="" id="{A79AD3C8-A97A-4218-969F-27B2CD007680}"/>
               </a:ext>
             </a:extLst>
           </p:cNvPr>
@@ -11078,7 +11094,7 @@
           <p:cNvPr id="3" name="Text Placeholder 2">
             <a:extLst>
               <a:ext uri="{FF2B5EF4-FFF2-40B4-BE49-F238E27FC236}">
-                <a16:creationId xmlns:a16="http://schemas.microsoft.com/office/drawing/2014/main" id="{50CA6819-F0CB-4B69-AC0F-DAFB40711BC1}"/>
+                <a16:creationId xmlns:a16="http://schemas.microsoft.com/office/drawing/2014/main" xmlns="" id="{50CA6819-F0CB-4B69-AC0F-DAFB40711BC1}"/>
               </a:ext>
             </a:extLst>
           </p:cNvPr>
@@ -11106,7 +11122,7 @@
           <p:cNvPr id="5" name="Text Placeholder 4">
             <a:extLst>
               <a:ext uri="{FF2B5EF4-FFF2-40B4-BE49-F238E27FC236}">
-                <a16:creationId xmlns:a16="http://schemas.microsoft.com/office/drawing/2014/main" id="{4FA457AF-14BB-4001-AF9B-E33649251741}"/>
+                <a16:creationId xmlns:a16="http://schemas.microsoft.com/office/drawing/2014/main" xmlns="" id="{4FA457AF-14BB-4001-AF9B-E33649251741}"/>
               </a:ext>
             </a:extLst>
           </p:cNvPr>
@@ -11134,7 +11150,7 @@
           <p:cNvPr id="11" name="Content Placeholder 10" descr="A screenshot of a computer&#10;&#10;Description generated with very high confidence">
             <a:extLst>
               <a:ext uri="{FF2B5EF4-FFF2-40B4-BE49-F238E27FC236}">
-                <a16:creationId xmlns:a16="http://schemas.microsoft.com/office/drawing/2014/main" id="{FDA313BA-B4ED-4E70-90D4-00594EB27D7E}"/>
+                <a16:creationId xmlns:a16="http://schemas.microsoft.com/office/drawing/2014/main" xmlns="" id="{FDA313BA-B4ED-4E70-90D4-00594EB27D7E}"/>
               </a:ext>
             </a:extLst>
           </p:cNvPr>
@@ -11162,7 +11178,7 @@
           <p:cNvPr id="17" name="Content Placeholder 16" descr="A screenshot of a computer&#10;&#10;Description generated with very high confidence">
             <a:extLst>
               <a:ext uri="{FF2B5EF4-FFF2-40B4-BE49-F238E27FC236}">
-                <a16:creationId xmlns:a16="http://schemas.microsoft.com/office/drawing/2014/main" id="{A3E8D379-E549-4B3D-913B-F89D649AAA69}"/>
+                <a16:creationId xmlns:a16="http://schemas.microsoft.com/office/drawing/2014/main" xmlns="" id="{A3E8D379-E549-4B3D-913B-F89D649AAA69}"/>
               </a:ext>
             </a:extLst>
           </p:cNvPr>
@@ -11220,7 +11236,7 @@
           <p:cNvPr id="2" name="Title 1">
             <a:extLst>
               <a:ext uri="{FF2B5EF4-FFF2-40B4-BE49-F238E27FC236}">
-                <a16:creationId xmlns:a16="http://schemas.microsoft.com/office/drawing/2014/main" id="{E1F1FE36-2493-C747-9CF3-7413C66FFDF0}"/>
+                <a16:creationId xmlns:a16="http://schemas.microsoft.com/office/drawing/2014/main" xmlns="" id="{E1F1FE36-2493-C747-9CF3-7413C66FFDF0}"/>
               </a:ext>
             </a:extLst>
           </p:cNvPr>
@@ -11255,7 +11271,7 @@
           <p:cNvPr id="7" name="Content Placeholder 2">
             <a:extLst>
               <a:ext uri="{FF2B5EF4-FFF2-40B4-BE49-F238E27FC236}">
-                <a16:creationId xmlns:a16="http://schemas.microsoft.com/office/drawing/2014/main" id="{2D72A025-59E2-CC4D-A262-8064A0A01945}"/>
+                <a16:creationId xmlns:a16="http://schemas.microsoft.com/office/drawing/2014/main" xmlns="" id="{2D72A025-59E2-CC4D-A262-8064A0A01945}"/>
               </a:ext>
             </a:extLst>
           </p:cNvPr>
@@ -11551,7 +11567,7 @@
           <p:cNvPr id="9" name="Picture 8">
             <a:extLst>
               <a:ext uri="{FF2B5EF4-FFF2-40B4-BE49-F238E27FC236}">
-                <a16:creationId xmlns:a16="http://schemas.microsoft.com/office/drawing/2014/main" id="{16E09185-833B-944F-A25C-7C9ABAD6C321}"/>
+                <a16:creationId xmlns:a16="http://schemas.microsoft.com/office/drawing/2014/main" xmlns="" id="{16E09185-833B-944F-A25C-7C9ABAD6C321}"/>
               </a:ext>
             </a:extLst>
           </p:cNvPr>
@@ -11852,7 +11868,7 @@
   <a:extraClrSchemeLst/>
   <a:extLst>
     <a:ext uri="{05A4C25C-085E-4340-85A3-A5531E510DB2}">
-      <thm15:themeFamily xmlns:thm15="http://schemas.microsoft.com/office/thememl/2012/main" name="Dividend" id="{9697A71B-4AB7-4A1A-BD5B-BB2D22835B57}" vid="{C21699FF-00E4-43C8-BBCC-D7E5536C3717}"/>
+      <thm15:themeFamily xmlns:thm15="http://schemas.microsoft.com/office/thememl/2012/main" xmlns="" name="Dividend" id="{9697A71B-4AB7-4A1A-BD5B-BB2D22835B57}" vid="{C21699FF-00E4-43C8-BBCC-D7E5536C3717}"/>
     </a:ext>
   </a:extLst>
 </a:theme>
